--- a/4.Model/EntityFrameworkCore.pptx
+++ b/4.Model/EntityFrameworkCore.pptx
@@ -12,12 +12,12 @@
     <p:sldId id="259" r:id="rId3"/>
     <p:sldId id="268" r:id="rId4"/>
     <p:sldId id="270" r:id="rId5"/>
-    <p:sldId id="275" r:id="rId6"/>
-    <p:sldId id="278" r:id="rId7"/>
-    <p:sldId id="271" r:id="rId8"/>
-    <p:sldId id="272" r:id="rId9"/>
-    <p:sldId id="274" r:id="rId10"/>
-    <p:sldId id="276" r:id="rId11"/>
+    <p:sldId id="278" r:id="rId6"/>
+    <p:sldId id="271" r:id="rId7"/>
+    <p:sldId id="272" r:id="rId8"/>
+    <p:sldId id="274" r:id="rId9"/>
+    <p:sldId id="276" r:id="rId10"/>
+    <p:sldId id="275" r:id="rId11"/>
     <p:sldId id="279" r:id="rId12"/>
   </p:sldIdLst>
   <p:sldSz cx="9144000" cy="6858000" type="screen4x3"/>
@@ -1667,7 +1667,7 @@
     </p:spTree>
     <p:extLst>
       <p:ext uri="{BB962C8B-B14F-4D97-AF65-F5344CB8AC3E}">
-        <p14:creationId xmlns:p14="http://schemas.microsoft.com/office/powerpoint/2010/main" val="2003240384"/>
+        <p14:creationId xmlns:p14="http://schemas.microsoft.com/office/powerpoint/2010/main" val="2937116793"/>
       </p:ext>
     </p:extLst>
   </p:cSld>
@@ -2652,7 +2652,7 @@
               </a:spcAft>
               <a:buNone/>
             </a:pPr>
-            <a:endParaRPr sz="1200" b="0" i="0" u="none" strike="noStrike" cap="none" dirty="0">
+            <a:endParaRPr sz="1200" b="0" i="0" u="none" strike="noStrike" cap="none">
               <a:solidFill>
                 <a:schemeClr val="dk1"/>
               </a:solidFill>
@@ -2729,7 +2729,7 @@
     </p:spTree>
     <p:extLst>
       <p:ext uri="{BB962C8B-B14F-4D97-AF65-F5344CB8AC3E}">
-        <p14:creationId xmlns:p14="http://schemas.microsoft.com/office/powerpoint/2010/main" val="2937116793"/>
+        <p14:creationId xmlns:p14="http://schemas.microsoft.com/office/powerpoint/2010/main" val="2619872614"/>
       </p:ext>
     </p:extLst>
   </p:cSld>
@@ -2845,7 +2845,7 @@
               </a:spcAft>
               <a:buNone/>
             </a:pPr>
-            <a:endParaRPr sz="1200" b="0" i="0" u="none" strike="noStrike" cap="none">
+            <a:endParaRPr sz="1200" b="0" i="0" u="none" strike="noStrike" cap="none" dirty="0">
               <a:solidFill>
                 <a:schemeClr val="dk1"/>
               </a:solidFill>
@@ -2922,7 +2922,7 @@
     </p:spTree>
     <p:extLst>
       <p:ext uri="{BB962C8B-B14F-4D97-AF65-F5344CB8AC3E}">
-        <p14:creationId xmlns:p14="http://schemas.microsoft.com/office/powerpoint/2010/main" val="2619872614"/>
+        <p14:creationId xmlns:p14="http://schemas.microsoft.com/office/powerpoint/2010/main" val="4109675277"/>
       </p:ext>
     </p:extLst>
   </p:cSld>
@@ -3038,6 +3038,41 @@
               </a:spcAft>
               <a:buNone/>
             </a:pPr>
+            <a:r>
+              <a:rPr lang="ru-RU" sz="1200" b="0" i="0" u="none" strike="noStrike" cap="none" dirty="0">
+                <a:solidFill>
+                  <a:schemeClr val="dk1"/>
+                </a:solidFill>
+                <a:latin typeface="Calibri"/>
+                <a:ea typeface="Calibri"/>
+                <a:cs typeface="Calibri"/>
+                <a:sym typeface="Calibri"/>
+              </a:rPr>
+              <a:t>Создаем все остальные необходимые нам для подключения обьекты</a:t>
+            </a:r>
+          </a:p>
+          <a:p>
+            <a:pPr marL="0" marR="0" lvl="0" indent="0" algn="l" rtl="0">
+              <a:spcBef>
+                <a:spcPts val="0"/>
+              </a:spcBef>
+              <a:spcAft>
+                <a:spcPts val="0"/>
+              </a:spcAft>
+              <a:buNone/>
+            </a:pPr>
+            <a:r>
+              <a:rPr lang="ru-RU" sz="1200" b="0" i="0" u="none" strike="noStrike" cap="none" dirty="0">
+                <a:solidFill>
+                  <a:schemeClr val="dk1"/>
+                </a:solidFill>
+                <a:latin typeface="Calibri"/>
+                <a:ea typeface="Calibri"/>
+                <a:cs typeface="Calibri"/>
+                <a:sym typeface="Calibri"/>
+              </a:rPr>
+              <a:t>Рассматриваем примеры</a:t>
+            </a:r>
             <a:endParaRPr sz="1200" b="0" i="0" u="none" strike="noStrike" cap="none" dirty="0">
               <a:solidFill>
                 <a:schemeClr val="dk1"/>
@@ -3115,7 +3150,7 @@
     </p:spTree>
     <p:extLst>
       <p:ext uri="{BB962C8B-B14F-4D97-AF65-F5344CB8AC3E}">
-        <p14:creationId xmlns:p14="http://schemas.microsoft.com/office/powerpoint/2010/main" val="4109675277"/>
+        <p14:creationId xmlns:p14="http://schemas.microsoft.com/office/powerpoint/2010/main" val="4076705491"/>
       </p:ext>
     </p:extLst>
   </p:cSld>
@@ -3231,42 +3266,7 @@
               </a:spcAft>
               <a:buNone/>
             </a:pPr>
-            <a:r>
-              <a:rPr lang="ru-RU" sz="1200" b="0" i="0" u="none" strike="noStrike" cap="none" dirty="0">
-                <a:solidFill>
-                  <a:schemeClr val="dk1"/>
-                </a:solidFill>
-                <a:latin typeface="Calibri"/>
-                <a:ea typeface="Calibri"/>
-                <a:cs typeface="Calibri"/>
-                <a:sym typeface="Calibri"/>
-              </a:rPr>
-              <a:t>Создаем все остальные необходимые нам для подключения обьекты</a:t>
-            </a:r>
-          </a:p>
-          <a:p>
-            <a:pPr marL="0" marR="0" lvl="0" indent="0" algn="l" rtl="0">
-              <a:spcBef>
-                <a:spcPts val="0"/>
-              </a:spcBef>
-              <a:spcAft>
-                <a:spcPts val="0"/>
-              </a:spcAft>
-              <a:buNone/>
-            </a:pPr>
-            <a:r>
-              <a:rPr lang="ru-RU" sz="1200" b="0" i="0" u="none" strike="noStrike" cap="none" dirty="0">
-                <a:solidFill>
-                  <a:schemeClr val="dk1"/>
-                </a:solidFill>
-                <a:latin typeface="Calibri"/>
-                <a:ea typeface="Calibri"/>
-                <a:cs typeface="Calibri"/>
-                <a:sym typeface="Calibri"/>
-              </a:rPr>
-              <a:t>Рассматриваем примеры</a:t>
-            </a:r>
-            <a:endParaRPr sz="1200" b="0" i="0" u="none" strike="noStrike" cap="none" dirty="0">
+            <a:endParaRPr sz="1200" b="0" i="0" u="none" strike="noStrike" cap="none">
               <a:solidFill>
                 <a:schemeClr val="dk1"/>
               </a:solidFill>
@@ -3343,7 +3343,7 @@
     </p:spTree>
     <p:extLst>
       <p:ext uri="{BB962C8B-B14F-4D97-AF65-F5344CB8AC3E}">
-        <p14:creationId xmlns:p14="http://schemas.microsoft.com/office/powerpoint/2010/main" val="4076705491"/>
+        <p14:creationId xmlns:p14="http://schemas.microsoft.com/office/powerpoint/2010/main" val="4052242827"/>
       </p:ext>
     </p:extLst>
   </p:cSld>
@@ -3459,7 +3459,7 @@
               </a:spcAft>
               <a:buNone/>
             </a:pPr>
-            <a:endParaRPr sz="1200" b="0" i="0" u="none" strike="noStrike" cap="none">
+            <a:endParaRPr sz="1200" b="0" i="0" u="none" strike="noStrike" cap="none" dirty="0">
               <a:solidFill>
                 <a:schemeClr val="dk1"/>
               </a:solidFill>
@@ -3536,7 +3536,7 @@
     </p:spTree>
     <p:extLst>
       <p:ext uri="{BB962C8B-B14F-4D97-AF65-F5344CB8AC3E}">
-        <p14:creationId xmlns:p14="http://schemas.microsoft.com/office/powerpoint/2010/main" val="4052242827"/>
+        <p14:creationId xmlns:p14="http://schemas.microsoft.com/office/powerpoint/2010/main" val="2003240384"/>
       </p:ext>
     </p:extLst>
   </p:cSld>
@@ -18710,7 +18710,7 @@
         </p:nvSpPr>
         <p:spPr>
           <a:xfrm>
-            <a:off x="446567" y="1647111"/>
+            <a:off x="467326" y="1661282"/>
             <a:ext cx="8229600" cy="1143000"/>
           </a:xfrm>
           <a:prstGeom prst="rect">
@@ -18727,16 +18727,45 @@
           </a:bodyPr>
           <a:lstStyle/>
           <a:p>
-            <a:pPr lvl="0" algn="l"/>
+            <a:pPr marL="0" marR="0" lvl="0" indent="0" algn="l" rtl="0">
+              <a:spcBef>
+                <a:spcPts val="0"/>
+              </a:spcBef>
+              <a:spcAft>
+                <a:spcPts val="0"/>
+              </a:spcAft>
+              <a:buClr>
+                <a:schemeClr val="dk1"/>
+              </a:buClr>
+              <a:buSzPts val="4400"/>
+              <a:buFont typeface="Calibri"/>
+              <a:buNone/>
+            </a:pPr>
             <a:r>
-              <a:rPr lang="ru-RU" sz="4100" b="1" dirty="0">
+              <a:rPr lang="ru-RU" sz="4100" b="1" i="0" u="none" strike="noStrike" cap="none" dirty="0">
+                <a:solidFill>
+                  <a:srgbClr val="262626"/>
+                </a:solidFill>
                 <a:latin typeface="Roboto"/>
                 <a:ea typeface="Roboto"/>
+                <a:cs typeface="Roboto"/>
                 <a:sym typeface="Roboto"/>
               </a:rPr>
-              <a:t>Способы настройки связей между сущностями</a:t>
+              <a:t>Определение ссылочного ключа в </a:t>
             </a:r>
-            <a:endParaRPr lang="ru-RU" sz="4100" b="1" i="0" u="none" strike="noStrike" cap="none" dirty="0">
+            <a:r>
+              <a:rPr lang="en-US" sz="4100" b="1" i="0" u="none" strike="noStrike" cap="none" dirty="0">
+                <a:solidFill>
+                  <a:srgbClr val="262626"/>
+                </a:solidFill>
+                <a:latin typeface="Roboto"/>
+                <a:ea typeface="Roboto"/>
+                <a:cs typeface="Roboto"/>
+                <a:sym typeface="Roboto"/>
+              </a:rPr>
+              <a:t>EF Core</a:t>
+            </a:r>
+            <a:endParaRPr sz="4100" b="1" i="0" u="none" strike="noStrike" cap="none" dirty="0">
               <a:solidFill>
                 <a:srgbClr val="262626"/>
               </a:solidFill>
@@ -18933,7 +18962,7 @@
         </p:nvSpPr>
         <p:spPr>
           <a:xfrm>
-            <a:off x="467326" y="2825549"/>
+            <a:off x="467326" y="2804282"/>
             <a:ext cx="8181300" cy="3074100"/>
           </a:xfrm>
           <a:prstGeom prst="rect">
@@ -18951,9 +18980,6 @@
           <a:lstStyle/>
           <a:p>
             <a:pPr marL="0" marR="0" lvl="0" indent="-12700" algn="l" rtl="0">
-              <a:lnSpc>
-                <a:spcPct val="200000"/>
-              </a:lnSpc>
               <a:spcBef>
                 <a:spcPts val="0"/>
               </a:spcBef>
@@ -18965,62 +18991,117 @@
               <a:buChar char="▪"/>
             </a:pPr>
             <a:r>
-              <a:rPr lang="ru-RU" sz="2400" dirty="0">
+              <a:rPr lang="en-US" sz="2000" dirty="0">
                 <a:latin typeface="Roboto"/>
                 <a:ea typeface="Roboto"/>
-                <a:sym typeface="Calibri"/>
+                <a:cs typeface="Roboto"/>
+                <a:sym typeface="Roboto"/>
               </a:rPr>
-              <a:t> Навигационные свойства</a:t>
+              <a:t> </a:t>
+            </a:r>
+            <a:r>
+              <a:rPr lang="ru-RU" sz="2000" dirty="0">
+                <a:latin typeface="Roboto"/>
+                <a:ea typeface="Roboto"/>
+                <a:cs typeface="Roboto"/>
+                <a:sym typeface="Roboto"/>
+              </a:rPr>
+              <a:t>Ссылочным ключом считается свойство, которое подпадает под следующие правила именования</a:t>
+            </a:r>
+            <a:r>
+              <a:rPr lang="en-US" sz="2000" dirty="0">
+                <a:latin typeface="Roboto"/>
+                <a:ea typeface="Roboto"/>
+                <a:cs typeface="Roboto"/>
+                <a:sym typeface="Roboto"/>
+              </a:rPr>
+              <a:t>:</a:t>
             </a:r>
           </a:p>
           <a:p>
-            <a:pPr marL="0" marR="0" lvl="0" indent="-12700" algn="l" rtl="0">
-              <a:lnSpc>
-                <a:spcPct val="200000"/>
-              </a:lnSpc>
-              <a:spcBef>
-                <a:spcPts val="0"/>
-              </a:spcBef>
-              <a:spcAft>
-                <a:spcPts val="0"/>
-              </a:spcAft>
+            <a:pPr lvl="0" indent="-12700">
+              <a:spcBef>
+                <a:spcPts val="360"/>
+              </a:spcBef>
               <a:buSzPts val="2000"/>
               <a:buFont typeface="Noto Sans Symbols"/>
               <a:buChar char="▪"/>
             </a:pPr>
+            <a:endParaRPr lang="en-US" sz="2000" dirty="0">
+              <a:latin typeface="Roboto"/>
+              <a:ea typeface="Roboto"/>
+              <a:cs typeface="Roboto"/>
+              <a:sym typeface="Roboto"/>
+            </a:endParaRPr>
+          </a:p>
+          <a:p>
+            <a:pPr lvl="0">
+              <a:spcBef>
+                <a:spcPts val="360"/>
+              </a:spcBef>
+              <a:buSzPts val="2000"/>
+            </a:pPr>
             <a:r>
-              <a:rPr lang="ru-RU" sz="2400" dirty="0">
+              <a:rPr lang="en-US" sz="2000" b="1" dirty="0">
                 <a:latin typeface="Roboto"/>
                 <a:ea typeface="Roboto"/>
-                <a:sym typeface="Calibri"/>
+                <a:cs typeface="Roboto"/>
+                <a:sym typeface="Roboto"/>
               </a:rPr>
-              <a:t> Аннотация данных </a:t>
+              <a:t>&lt;navigation property name&gt;&lt;principal key property name&gt;</a:t>
             </a:r>
           </a:p>
           <a:p>
-            <a:pPr marL="0" marR="0" lvl="0" indent="-12700" algn="l" rtl="0">
-              <a:lnSpc>
-                <a:spcPct val="200000"/>
-              </a:lnSpc>
-              <a:spcBef>
-                <a:spcPts val="0"/>
-              </a:spcBef>
-              <a:spcAft>
-                <a:spcPts val="0"/>
-              </a:spcAft>
+            <a:pPr lvl="0">
+              <a:spcBef>
+                <a:spcPts val="360"/>
+              </a:spcBef>
               <a:buSzPts val="2000"/>
-              <a:buFont typeface="Noto Sans Symbols"/>
-              <a:buChar char="▪"/>
             </a:pPr>
             <a:r>
-              <a:rPr lang="en-US" sz="2400" dirty="0">
+              <a:rPr lang="en-US" sz="2000" b="1" dirty="0">
                 <a:latin typeface="Roboto"/>
                 <a:ea typeface="Roboto"/>
-                <a:sym typeface="Calibri"/>
+                <a:cs typeface="Roboto"/>
+                <a:sym typeface="Roboto"/>
               </a:rPr>
-              <a:t> Fluent API</a:t>
+              <a:t>&lt;navigation property name&gt;Id</a:t>
             </a:r>
-            <a:endParaRPr sz="2400" i="0" u="none" strike="noStrike" cap="none" dirty="0">
+          </a:p>
+          <a:p>
+            <a:pPr lvl="0">
+              <a:spcBef>
+                <a:spcPts val="360"/>
+              </a:spcBef>
+              <a:buSzPts val="2000"/>
+            </a:pPr>
+            <a:r>
+              <a:rPr lang="en-US" sz="2000" b="1" dirty="0">
+                <a:latin typeface="Roboto"/>
+                <a:ea typeface="Roboto"/>
+                <a:cs typeface="Roboto"/>
+                <a:sym typeface="Roboto"/>
+              </a:rPr>
+              <a:t>&lt;principal entity name&gt;&lt;principal key property name&gt;</a:t>
+            </a:r>
+          </a:p>
+          <a:p>
+            <a:pPr lvl="0">
+              <a:spcBef>
+                <a:spcPts val="360"/>
+              </a:spcBef>
+              <a:buSzPts val="2000"/>
+            </a:pPr>
+            <a:r>
+              <a:rPr lang="en-US" sz="2000" b="1" dirty="0">
+                <a:latin typeface="Roboto"/>
+                <a:ea typeface="Roboto"/>
+                <a:cs typeface="Roboto"/>
+                <a:sym typeface="Roboto"/>
+              </a:rPr>
+              <a:t>&lt;principal entity name&gt;Id</a:t>
+            </a:r>
+            <a:endParaRPr sz="2000" b="1" i="0" u="none" strike="noStrike" cap="none" dirty="0">
               <a:latin typeface="Roboto"/>
               <a:ea typeface="Roboto"/>
               <a:cs typeface="Roboto"/>
@@ -19032,7 +19113,7 @@
     </p:spTree>
     <p:extLst>
       <p:ext uri="{BB962C8B-B14F-4D97-AF65-F5344CB8AC3E}">
-        <p14:creationId xmlns:p14="http://schemas.microsoft.com/office/powerpoint/2010/main" val="19556197"/>
+        <p14:creationId xmlns:p14="http://schemas.microsoft.com/office/powerpoint/2010/main" val="650941755"/>
       </p:ext>
     </p:extLst>
   </p:cSld>
@@ -21230,7 +21311,7 @@
                 <a:cs typeface="Roboto"/>
                 <a:sym typeface="Roboto"/>
               </a:rPr>
-              <a:t>Определение ссылочного ключа в </a:t>
+              <a:t>Определение навигационного свойства в </a:t>
             </a:r>
             <a:r>
               <a:rPr lang="en-US" sz="4100" b="1" i="0" u="none" strike="noStrike" cap="none" dirty="0">
@@ -21485,451 +21566,6 @@
                 <a:cs typeface="Roboto"/>
                 <a:sym typeface="Roboto"/>
               </a:rPr>
-              <a:t>Ссылочным ключом считается свойство, которое подпадает под следующие правила именования</a:t>
-            </a:r>
-            <a:r>
-              <a:rPr lang="en-US" sz="2000" dirty="0">
-                <a:latin typeface="Roboto"/>
-                <a:ea typeface="Roboto"/>
-                <a:cs typeface="Roboto"/>
-                <a:sym typeface="Roboto"/>
-              </a:rPr>
-              <a:t>:</a:t>
-            </a:r>
-          </a:p>
-          <a:p>
-            <a:pPr lvl="0" indent="-12700">
-              <a:spcBef>
-                <a:spcPts val="360"/>
-              </a:spcBef>
-              <a:buSzPts val="2000"/>
-              <a:buFont typeface="Noto Sans Symbols"/>
-              <a:buChar char="▪"/>
-            </a:pPr>
-            <a:endParaRPr lang="en-US" sz="2000" dirty="0">
-              <a:latin typeface="Roboto"/>
-              <a:ea typeface="Roboto"/>
-              <a:cs typeface="Roboto"/>
-              <a:sym typeface="Roboto"/>
-            </a:endParaRPr>
-          </a:p>
-          <a:p>
-            <a:pPr lvl="0">
-              <a:spcBef>
-                <a:spcPts val="360"/>
-              </a:spcBef>
-              <a:buSzPts val="2000"/>
-            </a:pPr>
-            <a:r>
-              <a:rPr lang="en-US" sz="2000" b="1" dirty="0">
-                <a:latin typeface="Roboto"/>
-                <a:ea typeface="Roboto"/>
-                <a:cs typeface="Roboto"/>
-                <a:sym typeface="Roboto"/>
-              </a:rPr>
-              <a:t>&lt;navigation property name&gt;&lt;principal key property name&gt;</a:t>
-            </a:r>
-          </a:p>
-          <a:p>
-            <a:pPr lvl="0">
-              <a:spcBef>
-                <a:spcPts val="360"/>
-              </a:spcBef>
-              <a:buSzPts val="2000"/>
-            </a:pPr>
-            <a:r>
-              <a:rPr lang="en-US" sz="2000" b="1" dirty="0">
-                <a:latin typeface="Roboto"/>
-                <a:ea typeface="Roboto"/>
-                <a:cs typeface="Roboto"/>
-                <a:sym typeface="Roboto"/>
-              </a:rPr>
-              <a:t>&lt;navigation property name&gt;Id</a:t>
-            </a:r>
-          </a:p>
-          <a:p>
-            <a:pPr lvl="0">
-              <a:spcBef>
-                <a:spcPts val="360"/>
-              </a:spcBef>
-              <a:buSzPts val="2000"/>
-            </a:pPr>
-            <a:r>
-              <a:rPr lang="en-US" sz="2000" b="1" dirty="0">
-                <a:latin typeface="Roboto"/>
-                <a:ea typeface="Roboto"/>
-                <a:cs typeface="Roboto"/>
-                <a:sym typeface="Roboto"/>
-              </a:rPr>
-              <a:t>&lt;principal entity name&gt;&lt;principal key property name&gt;</a:t>
-            </a:r>
-          </a:p>
-          <a:p>
-            <a:pPr lvl="0">
-              <a:spcBef>
-                <a:spcPts val="360"/>
-              </a:spcBef>
-              <a:buSzPts val="2000"/>
-            </a:pPr>
-            <a:r>
-              <a:rPr lang="en-US" sz="2000" b="1" dirty="0">
-                <a:latin typeface="Roboto"/>
-                <a:ea typeface="Roboto"/>
-                <a:cs typeface="Roboto"/>
-                <a:sym typeface="Roboto"/>
-              </a:rPr>
-              <a:t>&lt;principal entity name&gt;Id</a:t>
-            </a:r>
-            <a:endParaRPr sz="2000" b="1" i="0" u="none" strike="noStrike" cap="none" dirty="0">
-              <a:latin typeface="Roboto"/>
-              <a:ea typeface="Roboto"/>
-              <a:cs typeface="Roboto"/>
-              <a:sym typeface="Roboto"/>
-            </a:endParaRPr>
-          </a:p>
-        </p:txBody>
-      </p:sp>
-    </p:spTree>
-    <p:extLst>
-      <p:ext uri="{BB962C8B-B14F-4D97-AF65-F5344CB8AC3E}">
-        <p14:creationId xmlns:p14="http://schemas.microsoft.com/office/powerpoint/2010/main" val="650941755"/>
-      </p:ext>
-    </p:extLst>
-  </p:cSld>
-  <p:clrMapOvr>
-    <a:masterClrMapping/>
-  </p:clrMapOvr>
-  <p:transition>
-    <p:fade/>
-  </p:transition>
-</p:sld>
-</file>
-
-<file path=ppt/slides/slide6.xml><?xml version="1.0" encoding="utf-8"?>
-<p:sld xmlns:a="http://schemas.openxmlformats.org/drawingml/2006/main" xmlns:r="http://schemas.openxmlformats.org/officeDocument/2006/relationships" xmlns:p="http://schemas.openxmlformats.org/presentationml/2006/main">
-  <p:cSld>
-    <p:spTree>
-      <p:nvGrpSpPr>
-        <p:cNvPr id="1" name="Shape 156"/>
-        <p:cNvGrpSpPr/>
-        <p:nvPr/>
-      </p:nvGrpSpPr>
-      <p:grpSpPr>
-        <a:xfrm>
-          <a:off x="0" y="0"/>
-          <a:ext cx="0" cy="0"/>
-          <a:chOff x="0" y="0"/>
-          <a:chExt cx="0" cy="0"/>
-        </a:xfrm>
-      </p:grpSpPr>
-      <p:sp>
-        <p:nvSpPr>
-          <p:cNvPr id="158" name="Shape 158"/>
-          <p:cNvSpPr txBox="1">
-            <a:spLocks noGrp="1"/>
-          </p:cNvSpPr>
-          <p:nvPr>
-            <p:ph type="title"/>
-          </p:nvPr>
-        </p:nvSpPr>
-        <p:spPr>
-          <a:xfrm>
-            <a:off x="467326" y="1661282"/>
-            <a:ext cx="8229600" cy="1143000"/>
-          </a:xfrm>
-          <a:prstGeom prst="rect">
-            <a:avLst/>
-          </a:prstGeom>
-          <a:noFill/>
-          <a:ln>
-            <a:noFill/>
-          </a:ln>
-        </p:spPr>
-        <p:txBody>
-          <a:bodyPr spcFirstLastPara="1" wrap="square" lIns="91425" tIns="45700" rIns="91425" bIns="45700" anchor="ctr" anchorCtr="0">
-            <a:noAutofit/>
-          </a:bodyPr>
-          <a:lstStyle/>
-          <a:p>
-            <a:pPr marL="0" marR="0" lvl="0" indent="0" algn="l" rtl="0">
-              <a:spcBef>
-                <a:spcPts val="0"/>
-              </a:spcBef>
-              <a:spcAft>
-                <a:spcPts val="0"/>
-              </a:spcAft>
-              <a:buClr>
-                <a:schemeClr val="dk1"/>
-              </a:buClr>
-              <a:buSzPts val="4400"/>
-              <a:buFont typeface="Calibri"/>
-              <a:buNone/>
-            </a:pPr>
-            <a:r>
-              <a:rPr lang="ru-RU" sz="4100" b="1" i="0" u="none" strike="noStrike" cap="none" dirty="0">
-                <a:solidFill>
-                  <a:srgbClr val="262626"/>
-                </a:solidFill>
-                <a:latin typeface="Roboto"/>
-                <a:ea typeface="Roboto"/>
-                <a:cs typeface="Roboto"/>
-                <a:sym typeface="Roboto"/>
-              </a:rPr>
-              <a:t>Определение навигационного свойства в </a:t>
-            </a:r>
-            <a:r>
-              <a:rPr lang="en-US" sz="4100" b="1" i="0" u="none" strike="noStrike" cap="none" dirty="0">
-                <a:solidFill>
-                  <a:srgbClr val="262626"/>
-                </a:solidFill>
-                <a:latin typeface="Roboto"/>
-                <a:ea typeface="Roboto"/>
-                <a:cs typeface="Roboto"/>
-                <a:sym typeface="Roboto"/>
-              </a:rPr>
-              <a:t>EF Core</a:t>
-            </a:r>
-            <a:endParaRPr sz="4100" b="1" i="0" u="none" strike="noStrike" cap="none" dirty="0">
-              <a:solidFill>
-                <a:srgbClr val="262626"/>
-              </a:solidFill>
-              <a:latin typeface="Roboto"/>
-              <a:ea typeface="Roboto"/>
-              <a:cs typeface="Roboto"/>
-              <a:sym typeface="Roboto"/>
-            </a:endParaRPr>
-          </a:p>
-        </p:txBody>
-      </p:sp>
-      <p:sp>
-        <p:nvSpPr>
-          <p:cNvPr id="159" name="Shape 159"/>
-          <p:cNvSpPr/>
-          <p:nvPr/>
-        </p:nvSpPr>
-        <p:spPr>
-          <a:xfrm>
-            <a:off x="7145316" y="408237"/>
-            <a:ext cx="1856100" cy="290400"/>
-          </a:xfrm>
-          <a:prstGeom prst="roundRect">
-            <a:avLst>
-              <a:gd name="adj" fmla="val 0"/>
-            </a:avLst>
-          </a:prstGeom>
-          <a:noFill/>
-          <a:ln>
-            <a:noFill/>
-          </a:ln>
-        </p:spPr>
-        <p:txBody>
-          <a:bodyPr spcFirstLastPara="1" wrap="square" lIns="91425" tIns="45700" rIns="91425" bIns="45700" anchor="ctr" anchorCtr="0">
-            <a:noAutofit/>
-          </a:bodyPr>
-          <a:lstStyle/>
-          <a:p>
-            <a:pPr marL="0" marR="0" lvl="0" indent="0" algn="ctr" rtl="0">
-              <a:spcBef>
-                <a:spcPts val="0"/>
-              </a:spcBef>
-              <a:spcAft>
-                <a:spcPts val="0"/>
-              </a:spcAft>
-              <a:buClr>
-                <a:schemeClr val="lt1"/>
-              </a:buClr>
-              <a:buSzPts val="1200"/>
-              <a:buFont typeface="Arial"/>
-              <a:buNone/>
-            </a:pPr>
-            <a:r>
-              <a:rPr lang="en-US" sz="1500" b="1" i="0" strike="noStrike" cap="none">
-                <a:solidFill>
-                  <a:srgbClr val="262626"/>
-                </a:solidFill>
-                <a:latin typeface="Roboto"/>
-                <a:ea typeface="Roboto"/>
-                <a:cs typeface="Roboto"/>
-                <a:sym typeface="Roboto"/>
-              </a:rPr>
-              <a:t>www.itea.ua</a:t>
-            </a:r>
-            <a:endParaRPr sz="1500" b="1" i="0" strike="noStrike" cap="none">
-              <a:solidFill>
-                <a:srgbClr val="262626"/>
-              </a:solidFill>
-              <a:latin typeface="Roboto"/>
-              <a:ea typeface="Roboto"/>
-              <a:cs typeface="Roboto"/>
-              <a:sym typeface="Roboto"/>
-            </a:endParaRPr>
-          </a:p>
-        </p:txBody>
-      </p:sp>
-      <p:sp>
-        <p:nvSpPr>
-          <p:cNvPr id="160" name="Shape 160"/>
-          <p:cNvSpPr/>
-          <p:nvPr/>
-        </p:nvSpPr>
-        <p:spPr>
-          <a:xfrm rot="10800000" flipH="1">
-            <a:off x="0" y="1127850"/>
-            <a:ext cx="3143100" cy="42300"/>
-          </a:xfrm>
-          <a:prstGeom prst="rect">
-            <a:avLst/>
-          </a:prstGeom>
-          <a:solidFill>
-            <a:srgbClr val="CC0000"/>
-          </a:solidFill>
-          <a:ln>
-            <a:noFill/>
-          </a:ln>
-        </p:spPr>
-        <p:txBody>
-          <a:bodyPr spcFirstLastPara="1" wrap="square" lIns="91425" tIns="91425" rIns="91425" bIns="91425" anchor="ctr" anchorCtr="0">
-            <a:noAutofit/>
-          </a:bodyPr>
-          <a:lstStyle/>
-          <a:p>
-            <a:pPr marL="0" lvl="0" indent="0">
-              <a:spcBef>
-                <a:spcPts val="0"/>
-              </a:spcBef>
-              <a:spcAft>
-                <a:spcPts val="0"/>
-              </a:spcAft>
-              <a:buNone/>
-            </a:pPr>
-            <a:r>
-              <a:rPr lang="en-US"/>
-              <a:t>                                                                                     </a:t>
-            </a:r>
-            <a:endParaRPr/>
-          </a:p>
-        </p:txBody>
-      </p:sp>
-      <p:sp>
-        <p:nvSpPr>
-          <p:cNvPr id="161" name="Shape 161"/>
-          <p:cNvSpPr/>
-          <p:nvPr/>
-        </p:nvSpPr>
-        <p:spPr>
-          <a:xfrm rot="10800000" flipH="1">
-            <a:off x="3067050" y="1127850"/>
-            <a:ext cx="3143100" cy="42300"/>
-          </a:xfrm>
-          <a:prstGeom prst="rect">
-            <a:avLst/>
-          </a:prstGeom>
-          <a:solidFill>
-            <a:srgbClr val="262626"/>
-          </a:solidFill>
-          <a:ln>
-            <a:noFill/>
-          </a:ln>
-        </p:spPr>
-        <p:txBody>
-          <a:bodyPr spcFirstLastPara="1" wrap="square" lIns="91425" tIns="91425" rIns="91425" bIns="91425" anchor="ctr" anchorCtr="0">
-            <a:noAutofit/>
-          </a:bodyPr>
-          <a:lstStyle/>
-          <a:p>
-            <a:pPr marL="0" lvl="0" indent="0">
-              <a:spcBef>
-                <a:spcPts val="0"/>
-              </a:spcBef>
-              <a:spcAft>
-                <a:spcPts val="0"/>
-              </a:spcAft>
-              <a:buNone/>
-            </a:pPr>
-            <a:endParaRPr/>
-          </a:p>
-        </p:txBody>
-      </p:sp>
-      <p:pic>
-        <p:nvPicPr>
-          <p:cNvPr id="162" name="Shape 162"/>
-          <p:cNvPicPr preferRelativeResize="0"/>
-          <p:nvPr/>
-        </p:nvPicPr>
-        <p:blipFill>
-          <a:blip r:embed="rId3">
-            <a:alphaModFix/>
-          </a:blip>
-          <a:stretch>
-            <a:fillRect/>
-          </a:stretch>
-        </p:blipFill>
-        <p:spPr>
-          <a:xfrm>
-            <a:off x="353700" y="302000"/>
-            <a:ext cx="1741800" cy="502875"/>
-          </a:xfrm>
-          <a:prstGeom prst="rect">
-            <a:avLst/>
-          </a:prstGeom>
-          <a:noFill/>
-          <a:ln>
-            <a:noFill/>
-          </a:ln>
-        </p:spPr>
-      </p:pic>
-      <p:sp>
-        <p:nvSpPr>
-          <p:cNvPr id="163" name="Shape 163"/>
-          <p:cNvSpPr txBox="1"/>
-          <p:nvPr/>
-        </p:nvSpPr>
-        <p:spPr>
-          <a:xfrm>
-            <a:off x="467326" y="2804282"/>
-            <a:ext cx="8181300" cy="3074100"/>
-          </a:xfrm>
-          <a:prstGeom prst="rect">
-            <a:avLst/>
-          </a:prstGeom>
-          <a:noFill/>
-          <a:ln>
-            <a:noFill/>
-          </a:ln>
-        </p:spPr>
-        <p:txBody>
-          <a:bodyPr spcFirstLastPara="1" wrap="square" lIns="91425" tIns="45700" rIns="91425" bIns="45700" anchor="ctr" anchorCtr="0">
-            <a:noAutofit/>
-          </a:bodyPr>
-          <a:lstStyle/>
-          <a:p>
-            <a:pPr marL="0" marR="0" lvl="0" indent="-12700" algn="l" rtl="0">
-              <a:spcBef>
-                <a:spcPts val="0"/>
-              </a:spcBef>
-              <a:spcAft>
-                <a:spcPts val="0"/>
-              </a:spcAft>
-              <a:buSzPts val="2000"/>
-              <a:buFont typeface="Noto Sans Symbols"/>
-              <a:buChar char="▪"/>
-            </a:pPr>
-            <a:r>
-              <a:rPr lang="en-US" sz="2000" dirty="0">
-                <a:latin typeface="Roboto"/>
-                <a:ea typeface="Roboto"/>
-                <a:cs typeface="Roboto"/>
-                <a:sym typeface="Roboto"/>
-              </a:rPr>
-              <a:t> </a:t>
-            </a:r>
-            <a:r>
-              <a:rPr lang="ru-RU" sz="2000" dirty="0">
-                <a:latin typeface="Roboto"/>
-                <a:ea typeface="Roboto"/>
-                <a:cs typeface="Roboto"/>
-                <a:sym typeface="Roboto"/>
-              </a:rPr>
               <a:t>Навигационным свойством считается свойство, тип которого не подпадает не под один из стандартных типов БД.</a:t>
             </a:r>
           </a:p>
@@ -21998,7 +21634,7 @@
 </p:sld>
 </file>
 
-<file path=ppt/slides/slide7.xml><?xml version="1.0" encoding="utf-8"?>
+<file path=ppt/slides/slide6.xml><?xml version="1.0" encoding="utf-8"?>
 <p:sld xmlns:a="http://schemas.openxmlformats.org/drawingml/2006/main" xmlns:r="http://schemas.openxmlformats.org/officeDocument/2006/relationships" xmlns:p="http://schemas.openxmlformats.org/presentationml/2006/main" show="0">
   <p:cSld>
     <p:spTree>
@@ -22501,7 +22137,7 @@
 </p:sld>
 </file>
 
-<file path=ppt/slides/slide8.xml><?xml version="1.0" encoding="utf-8"?>
+<file path=ppt/slides/slide7.xml><?xml version="1.0" encoding="utf-8"?>
 <p:sld xmlns:a="http://schemas.openxmlformats.org/drawingml/2006/main" xmlns:r="http://schemas.openxmlformats.org/officeDocument/2006/relationships" xmlns:p="http://schemas.openxmlformats.org/presentationml/2006/main">
   <p:cSld>
     <p:spTree>
@@ -23468,7 +23104,7 @@
 </p:sld>
 </file>
 
-<file path=ppt/slides/slide9.xml><?xml version="1.0" encoding="utf-8"?>
+<file path=ppt/slides/slide8.xml><?xml version="1.0" encoding="utf-8"?>
 <p:sld xmlns:a="http://schemas.openxmlformats.org/drawingml/2006/main" xmlns:r="http://schemas.openxmlformats.org/officeDocument/2006/relationships" xmlns:p="http://schemas.openxmlformats.org/presentationml/2006/main">
   <p:cSld>
     <p:spTree>
@@ -23966,6 +23602,370 @@
     <p:extLst>
       <p:ext uri="{BB962C8B-B14F-4D97-AF65-F5344CB8AC3E}">
         <p14:creationId xmlns:p14="http://schemas.microsoft.com/office/powerpoint/2010/main" val="1295434084"/>
+      </p:ext>
+    </p:extLst>
+  </p:cSld>
+  <p:clrMapOvr>
+    <a:masterClrMapping/>
+  </p:clrMapOvr>
+  <p:transition>
+    <p:fade/>
+  </p:transition>
+</p:sld>
+</file>
+
+<file path=ppt/slides/slide9.xml><?xml version="1.0" encoding="utf-8"?>
+<p:sld xmlns:a="http://schemas.openxmlformats.org/drawingml/2006/main" xmlns:r="http://schemas.openxmlformats.org/officeDocument/2006/relationships" xmlns:p="http://schemas.openxmlformats.org/presentationml/2006/main">
+  <p:cSld>
+    <p:spTree>
+      <p:nvGrpSpPr>
+        <p:cNvPr id="1" name="Shape 156"/>
+        <p:cNvGrpSpPr/>
+        <p:nvPr/>
+      </p:nvGrpSpPr>
+      <p:grpSpPr>
+        <a:xfrm>
+          <a:off x="0" y="0"/>
+          <a:ext cx="0" cy="0"/>
+          <a:chOff x="0" y="0"/>
+          <a:chExt cx="0" cy="0"/>
+        </a:xfrm>
+      </p:grpSpPr>
+      <p:sp>
+        <p:nvSpPr>
+          <p:cNvPr id="158" name="Shape 158"/>
+          <p:cNvSpPr txBox="1">
+            <a:spLocks noGrp="1"/>
+          </p:cNvSpPr>
+          <p:nvPr>
+            <p:ph type="title"/>
+          </p:nvPr>
+        </p:nvSpPr>
+        <p:spPr>
+          <a:xfrm>
+            <a:off x="446567" y="1647111"/>
+            <a:ext cx="8229600" cy="1143000"/>
+          </a:xfrm>
+          <a:prstGeom prst="rect">
+            <a:avLst/>
+          </a:prstGeom>
+          <a:noFill/>
+          <a:ln>
+            <a:noFill/>
+          </a:ln>
+        </p:spPr>
+        <p:txBody>
+          <a:bodyPr spcFirstLastPara="1" wrap="square" lIns="91425" tIns="45700" rIns="91425" bIns="45700" anchor="ctr" anchorCtr="0">
+            <a:noAutofit/>
+          </a:bodyPr>
+          <a:lstStyle/>
+          <a:p>
+            <a:pPr lvl="0" algn="l"/>
+            <a:r>
+              <a:rPr lang="ru-RU" sz="4100" b="1" dirty="0">
+                <a:latin typeface="Roboto"/>
+                <a:ea typeface="Roboto"/>
+                <a:sym typeface="Roboto"/>
+              </a:rPr>
+              <a:t>Способы настройки связей между сущностями</a:t>
+            </a:r>
+            <a:endParaRPr lang="ru-RU" sz="4100" b="1" i="0" u="none" strike="noStrike" cap="none" dirty="0">
+              <a:solidFill>
+                <a:srgbClr val="262626"/>
+              </a:solidFill>
+              <a:latin typeface="Roboto"/>
+              <a:ea typeface="Roboto"/>
+              <a:cs typeface="Roboto"/>
+              <a:sym typeface="Roboto"/>
+            </a:endParaRPr>
+          </a:p>
+        </p:txBody>
+      </p:sp>
+      <p:sp>
+        <p:nvSpPr>
+          <p:cNvPr id="159" name="Shape 159"/>
+          <p:cNvSpPr/>
+          <p:nvPr/>
+        </p:nvSpPr>
+        <p:spPr>
+          <a:xfrm>
+            <a:off x="7145316" y="408237"/>
+            <a:ext cx="1856100" cy="290400"/>
+          </a:xfrm>
+          <a:prstGeom prst="roundRect">
+            <a:avLst>
+              <a:gd name="adj" fmla="val 0"/>
+            </a:avLst>
+          </a:prstGeom>
+          <a:noFill/>
+          <a:ln>
+            <a:noFill/>
+          </a:ln>
+        </p:spPr>
+        <p:txBody>
+          <a:bodyPr spcFirstLastPara="1" wrap="square" lIns="91425" tIns="45700" rIns="91425" bIns="45700" anchor="ctr" anchorCtr="0">
+            <a:noAutofit/>
+          </a:bodyPr>
+          <a:lstStyle/>
+          <a:p>
+            <a:pPr marL="0" marR="0" lvl="0" indent="0" algn="ctr" rtl="0">
+              <a:spcBef>
+                <a:spcPts val="0"/>
+              </a:spcBef>
+              <a:spcAft>
+                <a:spcPts val="0"/>
+              </a:spcAft>
+              <a:buClr>
+                <a:schemeClr val="lt1"/>
+              </a:buClr>
+              <a:buSzPts val="1200"/>
+              <a:buFont typeface="Arial"/>
+              <a:buNone/>
+            </a:pPr>
+            <a:r>
+              <a:rPr lang="en-US" sz="1500" b="1" i="0" strike="noStrike" cap="none">
+                <a:solidFill>
+                  <a:srgbClr val="262626"/>
+                </a:solidFill>
+                <a:latin typeface="Roboto"/>
+                <a:ea typeface="Roboto"/>
+                <a:cs typeface="Roboto"/>
+                <a:sym typeface="Roboto"/>
+              </a:rPr>
+              <a:t>www.itea.ua</a:t>
+            </a:r>
+            <a:endParaRPr sz="1500" b="1" i="0" strike="noStrike" cap="none">
+              <a:solidFill>
+                <a:srgbClr val="262626"/>
+              </a:solidFill>
+              <a:latin typeface="Roboto"/>
+              <a:ea typeface="Roboto"/>
+              <a:cs typeface="Roboto"/>
+              <a:sym typeface="Roboto"/>
+            </a:endParaRPr>
+          </a:p>
+        </p:txBody>
+      </p:sp>
+      <p:sp>
+        <p:nvSpPr>
+          <p:cNvPr id="160" name="Shape 160"/>
+          <p:cNvSpPr/>
+          <p:nvPr/>
+        </p:nvSpPr>
+        <p:spPr>
+          <a:xfrm rot="10800000" flipH="1">
+            <a:off x="0" y="1127850"/>
+            <a:ext cx="3143100" cy="42300"/>
+          </a:xfrm>
+          <a:prstGeom prst="rect">
+            <a:avLst/>
+          </a:prstGeom>
+          <a:solidFill>
+            <a:srgbClr val="CC0000"/>
+          </a:solidFill>
+          <a:ln>
+            <a:noFill/>
+          </a:ln>
+        </p:spPr>
+        <p:txBody>
+          <a:bodyPr spcFirstLastPara="1" wrap="square" lIns="91425" tIns="91425" rIns="91425" bIns="91425" anchor="ctr" anchorCtr="0">
+            <a:noAutofit/>
+          </a:bodyPr>
+          <a:lstStyle/>
+          <a:p>
+            <a:pPr marL="0" lvl="0" indent="0">
+              <a:spcBef>
+                <a:spcPts val="0"/>
+              </a:spcBef>
+              <a:spcAft>
+                <a:spcPts val="0"/>
+              </a:spcAft>
+              <a:buNone/>
+            </a:pPr>
+            <a:r>
+              <a:rPr lang="en-US"/>
+              <a:t>                                                                                     </a:t>
+            </a:r>
+            <a:endParaRPr/>
+          </a:p>
+        </p:txBody>
+      </p:sp>
+      <p:sp>
+        <p:nvSpPr>
+          <p:cNvPr id="161" name="Shape 161"/>
+          <p:cNvSpPr/>
+          <p:nvPr/>
+        </p:nvSpPr>
+        <p:spPr>
+          <a:xfrm rot="10800000" flipH="1">
+            <a:off x="3067050" y="1127850"/>
+            <a:ext cx="3143100" cy="42300"/>
+          </a:xfrm>
+          <a:prstGeom prst="rect">
+            <a:avLst/>
+          </a:prstGeom>
+          <a:solidFill>
+            <a:srgbClr val="262626"/>
+          </a:solidFill>
+          <a:ln>
+            <a:noFill/>
+          </a:ln>
+        </p:spPr>
+        <p:txBody>
+          <a:bodyPr spcFirstLastPara="1" wrap="square" lIns="91425" tIns="91425" rIns="91425" bIns="91425" anchor="ctr" anchorCtr="0">
+            <a:noAutofit/>
+          </a:bodyPr>
+          <a:lstStyle/>
+          <a:p>
+            <a:pPr marL="0" lvl="0" indent="0">
+              <a:spcBef>
+                <a:spcPts val="0"/>
+              </a:spcBef>
+              <a:spcAft>
+                <a:spcPts val="0"/>
+              </a:spcAft>
+              <a:buNone/>
+            </a:pPr>
+            <a:endParaRPr/>
+          </a:p>
+        </p:txBody>
+      </p:sp>
+      <p:pic>
+        <p:nvPicPr>
+          <p:cNvPr id="162" name="Shape 162"/>
+          <p:cNvPicPr preferRelativeResize="0"/>
+          <p:nvPr/>
+        </p:nvPicPr>
+        <p:blipFill>
+          <a:blip r:embed="rId3">
+            <a:alphaModFix/>
+          </a:blip>
+          <a:stretch>
+            <a:fillRect/>
+          </a:stretch>
+        </p:blipFill>
+        <p:spPr>
+          <a:xfrm>
+            <a:off x="353700" y="302000"/>
+            <a:ext cx="1741800" cy="502875"/>
+          </a:xfrm>
+          <a:prstGeom prst="rect">
+            <a:avLst/>
+          </a:prstGeom>
+          <a:noFill/>
+          <a:ln>
+            <a:noFill/>
+          </a:ln>
+        </p:spPr>
+      </p:pic>
+      <p:sp>
+        <p:nvSpPr>
+          <p:cNvPr id="163" name="Shape 163"/>
+          <p:cNvSpPr txBox="1"/>
+          <p:nvPr/>
+        </p:nvSpPr>
+        <p:spPr>
+          <a:xfrm>
+            <a:off x="467326" y="2825549"/>
+            <a:ext cx="8181300" cy="3074100"/>
+          </a:xfrm>
+          <a:prstGeom prst="rect">
+            <a:avLst/>
+          </a:prstGeom>
+          <a:noFill/>
+          <a:ln>
+            <a:noFill/>
+          </a:ln>
+        </p:spPr>
+        <p:txBody>
+          <a:bodyPr spcFirstLastPara="1" wrap="square" lIns="91425" tIns="45700" rIns="91425" bIns="45700" anchor="ctr" anchorCtr="0">
+            <a:noAutofit/>
+          </a:bodyPr>
+          <a:lstStyle/>
+          <a:p>
+            <a:pPr marL="0" marR="0" lvl="0" indent="-12700" algn="l" rtl="0">
+              <a:lnSpc>
+                <a:spcPct val="200000"/>
+              </a:lnSpc>
+              <a:spcBef>
+                <a:spcPts val="0"/>
+              </a:spcBef>
+              <a:spcAft>
+                <a:spcPts val="0"/>
+              </a:spcAft>
+              <a:buSzPts val="2000"/>
+              <a:buFont typeface="Noto Sans Symbols"/>
+              <a:buChar char="▪"/>
+            </a:pPr>
+            <a:r>
+              <a:rPr lang="ru-RU" sz="2400" dirty="0">
+                <a:latin typeface="Roboto"/>
+                <a:ea typeface="Roboto"/>
+                <a:sym typeface="Calibri"/>
+              </a:rPr>
+              <a:t> Навигационные свойства</a:t>
+            </a:r>
+          </a:p>
+          <a:p>
+            <a:pPr marL="0" marR="0" lvl="0" indent="-12700" algn="l" rtl="0">
+              <a:lnSpc>
+                <a:spcPct val="200000"/>
+              </a:lnSpc>
+              <a:spcBef>
+                <a:spcPts val="0"/>
+              </a:spcBef>
+              <a:spcAft>
+                <a:spcPts val="0"/>
+              </a:spcAft>
+              <a:buSzPts val="2000"/>
+              <a:buFont typeface="Noto Sans Symbols"/>
+              <a:buChar char="▪"/>
+            </a:pPr>
+            <a:r>
+              <a:rPr lang="ru-RU" sz="2400" dirty="0">
+                <a:latin typeface="Roboto"/>
+                <a:ea typeface="Roboto"/>
+                <a:sym typeface="Calibri"/>
+              </a:rPr>
+              <a:t> Аннотация данных </a:t>
+            </a:r>
+          </a:p>
+          <a:p>
+            <a:pPr marL="0" marR="0" lvl="0" indent="-12700" algn="l" rtl="0">
+              <a:lnSpc>
+                <a:spcPct val="200000"/>
+              </a:lnSpc>
+              <a:spcBef>
+                <a:spcPts val="0"/>
+              </a:spcBef>
+              <a:spcAft>
+                <a:spcPts val="0"/>
+              </a:spcAft>
+              <a:buSzPts val="2000"/>
+              <a:buFont typeface="Noto Sans Symbols"/>
+              <a:buChar char="▪"/>
+            </a:pPr>
+            <a:r>
+              <a:rPr lang="en-US" sz="2400" dirty="0">
+                <a:latin typeface="Roboto"/>
+                <a:ea typeface="Roboto"/>
+                <a:sym typeface="Calibri"/>
+              </a:rPr>
+              <a:t> Fluent API</a:t>
+            </a:r>
+            <a:endParaRPr sz="2400" i="0" u="none" strike="noStrike" cap="none" dirty="0">
+              <a:latin typeface="Roboto"/>
+              <a:ea typeface="Roboto"/>
+              <a:cs typeface="Roboto"/>
+              <a:sym typeface="Roboto"/>
+            </a:endParaRPr>
+          </a:p>
+        </p:txBody>
+      </p:sp>
+    </p:spTree>
+    <p:extLst>
+      <p:ext uri="{BB962C8B-B14F-4D97-AF65-F5344CB8AC3E}">
+        <p14:creationId xmlns:p14="http://schemas.microsoft.com/office/powerpoint/2010/main" val="19556197"/>
       </p:ext>
     </p:extLst>
   </p:cSld>
